--- a/cvicenia/zdroje/7c-taskmanager-technologie.pptx
+++ b/cvicenia/zdroje/7c-taskmanager-technologie.pptx
@@ -3774,7 +3774,7 @@
               <a:defRPr/>
             </a:pPr>
             <a:r>
-              <a:rPr lang="en-US" altLang="ko-KR" sz="1200" dirty="0">
+              <a:rPr lang="sk-SK" altLang="ko-KR" sz="1200" dirty="0">
                 <a:solidFill>
                   <a:schemeClr val="bg2">
                     <a:lumMod val="50000"/>
@@ -3783,7 +3783,7 @@
                 <a:latin typeface="Arial" pitchFamily="34" charset="0"/>
                 <a:cs typeface="Arial" pitchFamily="34" charset="0"/>
               </a:rPr>
-              <a:t>5</a:t>
+              <a:t>6</a:t>
             </a:r>
             <a:r>
               <a:rPr kumimoji="0" lang="en-US" altLang="ko-KR" sz="1200" dirty="0">
@@ -3795,7 +3795,43 @@
                 <a:latin typeface="Arial" pitchFamily="34" charset="0"/>
                 <a:cs typeface="Arial" pitchFamily="34" charset="0"/>
               </a:rPr>
-              <a:t>. 4. 2018</a:t>
+              <a:t>. </a:t>
+            </a:r>
+            <a:r>
+              <a:rPr kumimoji="0" lang="sk-SK" altLang="ko-KR" sz="1200">
+                <a:solidFill>
+                  <a:schemeClr val="bg2">
+                    <a:lumMod val="50000"/>
+                  </a:schemeClr>
+                </a:solidFill>
+                <a:latin typeface="Arial" pitchFamily="34" charset="0"/>
+                <a:cs typeface="Arial" pitchFamily="34" charset="0"/>
+              </a:rPr>
+              <a:t>11</a:t>
+            </a:r>
+            <a:r>
+              <a:rPr kumimoji="0" lang="en-US" altLang="ko-KR" sz="1200">
+                <a:solidFill>
+                  <a:schemeClr val="bg2">
+                    <a:lumMod val="50000"/>
+                  </a:schemeClr>
+                </a:solidFill>
+                <a:latin typeface="Arial" pitchFamily="34" charset="0"/>
+                <a:cs typeface="Arial" pitchFamily="34" charset="0"/>
+              </a:rPr>
+              <a:t>. </a:t>
+            </a:r>
+            <a:r>
+              <a:rPr kumimoji="0" lang="en-US" altLang="ko-KR" sz="1200" dirty="0">
+                <a:solidFill>
+                  <a:schemeClr val="bg2">
+                    <a:lumMod val="50000"/>
+                  </a:schemeClr>
+                </a:solidFill>
+                <a:latin typeface="Arial" pitchFamily="34" charset="0"/>
+                <a:cs typeface="Arial" pitchFamily="34" charset="0"/>
+              </a:rPr>
+              <a:t>2018</a:t>
             </a:r>
           </a:p>
         </p:txBody>
